--- a/RealTimeImmersiveSpeechProgramming.pptx
+++ b/RealTimeImmersiveSpeechProgramming.pptx
@@ -17,6 +17,7 @@
     <p:sldId id="264" r:id="rId11"/>
     <p:sldId id="266" r:id="rId12"/>
     <p:sldId id="267" r:id="rId13"/>
+    <p:sldId id="269" r:id="rId14"/>
   </p:sldIdLst>
   <p:sldSz cx="12192000" cy="6858000"/>
   <p:notesSz cx="6858000" cy="9144000"/>
@@ -3772,6 +3773,41 @@
           </a:prstGeom>
         </p:spPr>
       </p:pic>
+      <p:sp>
+        <p:nvSpPr>
+          <p:cNvPr id="16" name="TextBox 15">
+            <a:extLst>
+              <a:ext uri="{FF2B5EF4-FFF2-40B4-BE49-F238E27FC236}">
+                <a16:creationId xmlns:a16="http://schemas.microsoft.com/office/drawing/2014/main" id="{7A2892E2-65B4-43E6-4C28-896EA707CCAC}"/>
+              </a:ext>
+            </a:extLst>
+          </p:cNvPr>
+          <p:cNvSpPr txBox="1"/>
+          <p:nvPr/>
+        </p:nvSpPr>
+        <p:spPr>
+          <a:xfrm>
+            <a:off x="10288956" y="4422048"/>
+            <a:ext cx="778868" cy="369332"/>
+          </a:xfrm>
+          <a:prstGeom prst="rect">
+            <a:avLst/>
+          </a:prstGeom>
+          <a:noFill/>
+        </p:spPr>
+        <p:txBody>
+          <a:bodyPr wrap="none" rtlCol="0">
+            <a:spAutoFit/>
+          </a:bodyPr>
+          <a:lstStyle/>
+          <a:p>
+            <a:r>
+              <a:rPr lang="en-GB" dirty="0"/>
+              <a:t>wrong</a:t>
+            </a:r>
+          </a:p>
+        </p:txBody>
+      </p:sp>
     </p:spTree>
     <p:extLst>
       <p:ext uri="{BB962C8B-B14F-4D97-AF65-F5344CB8AC3E}">
@@ -4033,6 +4069,183 @@
 </p:sld>
 </file>
 
+<file path=ppt/slides/slide13.xml><?xml version="1.0" encoding="utf-8"?>
+<p:sld xmlns:a="http://schemas.openxmlformats.org/drawingml/2006/main" xmlns:r="http://schemas.openxmlformats.org/officeDocument/2006/relationships" xmlns:p="http://schemas.openxmlformats.org/presentationml/2006/main">
+  <p:cSld>
+    <p:spTree>
+      <p:nvGrpSpPr>
+        <p:cNvPr id="1" name=""/>
+        <p:cNvGrpSpPr/>
+        <p:nvPr/>
+      </p:nvGrpSpPr>
+      <p:grpSpPr>
+        <a:xfrm>
+          <a:off x="0" y="0"/>
+          <a:ext cx="0" cy="0"/>
+          <a:chOff x="0" y="0"/>
+          <a:chExt cx="0" cy="0"/>
+        </a:xfrm>
+      </p:grpSpPr>
+      <p:sp>
+        <p:nvSpPr>
+          <p:cNvPr id="2" name="Title 1">
+            <a:extLst>
+              <a:ext uri="{FF2B5EF4-FFF2-40B4-BE49-F238E27FC236}">
+                <a16:creationId xmlns:a16="http://schemas.microsoft.com/office/drawing/2014/main" id="{AB836416-C0F7-98FB-2129-E5C1019DD62C}"/>
+              </a:ext>
+            </a:extLst>
+          </p:cNvPr>
+          <p:cNvSpPr>
+            <a:spLocks noGrp="1"/>
+          </p:cNvSpPr>
+          <p:nvPr>
+            <p:ph type="title"/>
+          </p:nvPr>
+        </p:nvSpPr>
+        <p:spPr/>
+        <p:txBody>
+          <a:bodyPr/>
+          <a:lstStyle/>
+          <a:p>
+            <a:endParaRPr lang="en-GB"/>
+          </a:p>
+        </p:txBody>
+      </p:sp>
+      <p:pic>
+        <p:nvPicPr>
+          <p:cNvPr id="4" name="Content Placeholder 3">
+            <a:extLst>
+              <a:ext uri="{FF2B5EF4-FFF2-40B4-BE49-F238E27FC236}">
+                <a16:creationId xmlns:a16="http://schemas.microsoft.com/office/drawing/2014/main" id="{3355C1B5-997F-B7F9-B70C-8C9C67DBE905}"/>
+              </a:ext>
+            </a:extLst>
+          </p:cNvPr>
+          <p:cNvPicPr>
+            <a:picLocks noGrp="1" noChangeAspect="1"/>
+          </p:cNvPicPr>
+          <p:nvPr>
+            <p:ph idx="1"/>
+          </p:nvPr>
+        </p:nvPicPr>
+        <p:blipFill>
+          <a:blip r:embed="rId2"/>
+          <a:stretch>
+            <a:fillRect/>
+          </a:stretch>
+        </p:blipFill>
+        <p:spPr>
+          <a:xfrm>
+            <a:off x="358084" y="1978459"/>
+            <a:ext cx="3341310" cy="3703285"/>
+          </a:xfrm>
+          <a:prstGeom prst="rect">
+            <a:avLst/>
+          </a:prstGeom>
+        </p:spPr>
+      </p:pic>
+      <p:pic>
+        <p:nvPicPr>
+          <p:cNvPr id="5" name="Picture 4">
+            <a:extLst>
+              <a:ext uri="{FF2B5EF4-FFF2-40B4-BE49-F238E27FC236}">
+                <a16:creationId xmlns:a16="http://schemas.microsoft.com/office/drawing/2014/main" id="{51BB863D-5AB4-414F-F242-28E9C0EAE9A1}"/>
+              </a:ext>
+            </a:extLst>
+          </p:cNvPr>
+          <p:cNvPicPr>
+            <a:picLocks noChangeAspect="1"/>
+          </p:cNvPicPr>
+          <p:nvPr/>
+        </p:nvPicPr>
+        <p:blipFill>
+          <a:blip r:embed="rId3"/>
+          <a:stretch>
+            <a:fillRect/>
+          </a:stretch>
+        </p:blipFill>
+        <p:spPr>
+          <a:xfrm>
+            <a:off x="3766069" y="1978460"/>
+            <a:ext cx="3036116" cy="1839292"/>
+          </a:xfrm>
+          <a:prstGeom prst="rect">
+            <a:avLst/>
+          </a:prstGeom>
+        </p:spPr>
+      </p:pic>
+      <p:pic>
+        <p:nvPicPr>
+          <p:cNvPr id="6" name="Picture 5">
+            <a:extLst>
+              <a:ext uri="{FF2B5EF4-FFF2-40B4-BE49-F238E27FC236}">
+                <a16:creationId xmlns:a16="http://schemas.microsoft.com/office/drawing/2014/main" id="{39714FDF-B009-6755-4087-64BFD8F2415B}"/>
+              </a:ext>
+            </a:extLst>
+          </p:cNvPr>
+          <p:cNvPicPr>
+            <a:picLocks noChangeAspect="1"/>
+          </p:cNvPicPr>
+          <p:nvPr/>
+        </p:nvPicPr>
+        <p:blipFill>
+          <a:blip r:embed="rId4"/>
+          <a:stretch>
+            <a:fillRect/>
+          </a:stretch>
+        </p:blipFill>
+        <p:spPr>
+          <a:xfrm>
+            <a:off x="3784531" y="3866098"/>
+            <a:ext cx="3017654" cy="1839292"/>
+          </a:xfrm>
+          <a:prstGeom prst="rect">
+            <a:avLst/>
+          </a:prstGeom>
+        </p:spPr>
+      </p:pic>
+      <p:pic>
+        <p:nvPicPr>
+          <p:cNvPr id="8" name="Picture 7">
+            <a:extLst>
+              <a:ext uri="{FF2B5EF4-FFF2-40B4-BE49-F238E27FC236}">
+                <a16:creationId xmlns:a16="http://schemas.microsoft.com/office/drawing/2014/main" id="{8DF96B39-A844-BB98-C27F-51F893BD60A2}"/>
+              </a:ext>
+            </a:extLst>
+          </p:cNvPr>
+          <p:cNvPicPr>
+            <a:picLocks noChangeAspect="1"/>
+          </p:cNvPicPr>
+          <p:nvPr/>
+        </p:nvPicPr>
+        <p:blipFill>
+          <a:blip r:embed="rId5"/>
+          <a:stretch>
+            <a:fillRect/>
+          </a:stretch>
+        </p:blipFill>
+        <p:spPr>
+          <a:xfrm>
+            <a:off x="6868860" y="1978460"/>
+            <a:ext cx="4946594" cy="3703284"/>
+          </a:xfrm>
+          <a:prstGeom prst="rect">
+            <a:avLst/>
+          </a:prstGeom>
+        </p:spPr>
+      </p:pic>
+    </p:spTree>
+    <p:extLst>
+      <p:ext uri="{BB962C8B-B14F-4D97-AF65-F5344CB8AC3E}">
+        <p14:creationId xmlns:p14="http://schemas.microsoft.com/office/powerpoint/2010/main" val="4036379495"/>
+      </p:ext>
+    </p:extLst>
+  </p:cSld>
+  <p:clrMapOvr>
+    <a:masterClrMapping/>
+  </p:clrMapOvr>
+</p:sld>
+</file>
+
 <file path=ppt/slides/slide2.xml><?xml version="1.0" encoding="utf-8"?>
 <p:sld xmlns:a="http://schemas.openxmlformats.org/drawingml/2006/main" xmlns:r="http://schemas.openxmlformats.org/officeDocument/2006/relationships" xmlns:p="http://schemas.openxmlformats.org/presentationml/2006/main">
   <p:cSld>
@@ -4588,11 +4801,7 @@
             </a:pPr>
             <a:r>
               <a:rPr lang="en-GB" dirty="0"/>
-              <a:t>Click in the training section </a:t>
-            </a:r>
-            <a:r>
-              <a:rPr lang="en-GB"/>
-              <a:t>and practice</a:t>
+              <a:t>Click in the training section and practice</a:t>
             </a:r>
           </a:p>
           <a:p>
